--- a/Demo Slides.pptx
+++ b/Demo Slides.pptx
@@ -8,8 +8,7 @@
     <p:sldId id="256" r:id="rId2"/>
     <p:sldId id="259" r:id="rId3"/>
     <p:sldId id="271" r:id="rId4"/>
-    <p:sldId id="272" r:id="rId5"/>
-    <p:sldId id="265" r:id="rId6"/>
+    <p:sldId id="265" r:id="rId5"/>
   </p:sldIdLst>
   <p:sldSz cx="12192000" cy="6858000"/>
   <p:notesSz cx="6858000" cy="9144000"/>
@@ -2964,6 +2963,14 @@
 <file path=ppt/slides/slide1.xml><?xml version="1.0" encoding="utf-8"?>
 <p:sld xmlns:a="http://schemas.openxmlformats.org/drawingml/2006/main" xmlns:r="http://schemas.openxmlformats.org/officeDocument/2006/relationships" xmlns:p="http://schemas.openxmlformats.org/presentationml/2006/main">
   <p:cSld>
+    <p:bg>
+      <p:bgPr>
+        <a:solidFill>
+          <a:schemeClr val="bg1"/>
+        </a:solidFill>
+        <a:effectLst/>
+      </p:bgPr>
+    </p:bg>
     <p:spTree>
       <p:nvGrpSpPr>
         <p:cNvPr id="1" name=""/>
@@ -2988,26 +2995,45 @@
             <p:ph type="ctrTitle"/>
           </p:nvPr>
         </p:nvSpPr>
-        <p:spPr/>
+        <p:spPr>
+          <a:xfrm>
+            <a:off x="1524000" y="2245810"/>
+            <a:ext cx="6413500" cy="1355750"/>
+          </a:xfrm>
+        </p:spPr>
         <p:txBody>
           <a:bodyPr>
-            <a:normAutofit fontScale="90000"/>
+            <a:normAutofit/>
           </a:bodyPr>
           <a:lstStyle/>
           <a:p>
-            <a:r>
-              <a:rPr lang="en-AU" b="1" cap="small" dirty="0" err="1">
+            <a:pPr algn="l"/>
+            <a:r>
+              <a:rPr lang="en-AU" sz="3000" b="1" cap="small" dirty="0" err="1">
                 <a:latin typeface="Courier New" panose="02070309020205020404" pitchFamily="49" charset="0"/>
                 <a:cs typeface="Courier New" panose="02070309020205020404" pitchFamily="49" charset="0"/>
               </a:rPr>
               <a:t>PicPro</a:t>
             </a:r>
             <a:r>
-              <a:rPr lang="en-AU" b="1" cap="small" dirty="0">
+              <a:rPr lang="en-AU" sz="3000" b="1" cap="small" dirty="0">
                 <a:latin typeface="Courier New" panose="02070309020205020404" pitchFamily="49" charset="0"/>
                 <a:cs typeface="Courier New" panose="02070309020205020404" pitchFamily="49" charset="0"/>
               </a:rPr>
-              <a:t> Image Transformation Application</a:t>
+              <a:t> – A </a:t>
+            </a:r>
+            <a:r>
+              <a:rPr lang="en-AU" sz="3000" b="1" cap="small" dirty="0">
+                <a:cs typeface="Courier New" panose="02070309020205020404" pitchFamily="49" charset="0"/>
+              </a:rPr>
+              <a:t>C</a:t>
+            </a:r>
+            <a:r>
+              <a:rPr lang="en-AU" sz="3000" b="1" cap="small" dirty="0">
+                <a:latin typeface="Courier New" panose="02070309020205020404" pitchFamily="49" charset="0"/>
+                <a:cs typeface="Courier New" panose="02070309020205020404" pitchFamily="49" charset="0"/>
+              </a:rPr>
+              <a:t>loud-based Image Transformation Application</a:t>
             </a:r>
           </a:p>
         </p:txBody>
@@ -3022,29 +3048,223 @@
             <p:ph type="subTitle" idx="1"/>
           </p:nvPr>
         </p:nvSpPr>
-        <p:spPr/>
+        <p:spPr>
+          <a:xfrm>
+            <a:off x="1524000" y="3608516"/>
+            <a:ext cx="5930900" cy="911117"/>
+          </a:xfrm>
+        </p:spPr>
         <p:txBody>
           <a:bodyPr>
             <a:normAutofit/>
           </a:bodyPr>
           <a:lstStyle/>
           <a:p>
-            <a:r>
-              <a:rPr lang="en-AU" dirty="0"/>
-              <a:t>Matthias Eder (n11378093) and Eric Zhang(n10319191)</a:t>
-            </a:r>
-          </a:p>
-          <a:p>
-            <a:r>
-              <a:rPr lang="en-AU" dirty="0"/>
-              <a:t> CAB432 Cloud Computing 2022 </a:t>
-            </a:r>
-          </a:p>
-          <a:p>
-            <a:r>
-              <a:rPr lang="en-AU" dirty="0"/>
+            <a:pPr algn="l"/>
+            <a:r>
+              <a:rPr lang="en-AU" sz="1300" dirty="0"/>
+              <a:t>Matthias Eder (11378093) and Eric Zhang (10319191)</a:t>
+            </a:r>
+          </a:p>
+          <a:p>
+            <a:pPr algn="l"/>
+            <a:r>
+              <a:rPr lang="en-AU" sz="1300" dirty="0"/>
+              <a:t>CAB432 Cloud Computing 2022 </a:t>
+            </a:r>
+          </a:p>
+          <a:p>
+            <a:pPr algn="l"/>
+            <a:r>
+              <a:rPr lang="en-AU" sz="1300" dirty="0"/>
               <a:t>Queensland University of Technology</a:t>
             </a:r>
+          </a:p>
+        </p:txBody>
+      </p:sp>
+      <p:sp>
+        <p:nvSpPr>
+          <p:cNvPr id="12" name="Freeform 17">
+            <a:extLst>
+              <a:ext uri="{FF2B5EF4-FFF2-40B4-BE49-F238E27FC236}">
+                <a16:creationId xmlns:a16="http://schemas.microsoft.com/office/drawing/2014/main" id="{41F18803-BE79-4916-AE6B-5DE238B367F0}"/>
+              </a:ext>
+              <a:ext uri="{C183D7F6-B498-43B3-948B-1728B52AA6E4}">
+                <adec:decorative xmlns:adec="http://schemas.microsoft.com/office/drawing/2017/decorative" val="1"/>
+              </a:ext>
+            </a:extLst>
+          </p:cNvPr>
+          <p:cNvSpPr>
+            <a:spLocks noGrp="1" noRot="1" noChangeAspect="1" noMove="1" noResize="1" noEditPoints="1" noAdjustHandles="1" noChangeArrowheads="1" noChangeShapeType="1" noTextEdit="1"/>
+          </p:cNvSpPr>
+          <p:nvPr>
+            <p:extLst>
+              <p:ext uri="{386F3935-93C4-4BCD-93E2-E3B085C9AB24}">
+                <p16:designElem xmlns:p16="http://schemas.microsoft.com/office/powerpoint/2015/main" val="1"/>
+              </p:ext>
+            </p:extLst>
+          </p:nvPr>
+        </p:nvSpPr>
+        <p:spPr>
+          <a:xfrm>
+            <a:off x="0" y="0"/>
+            <a:ext cx="8663110" cy="2130951"/>
+          </a:xfrm>
+          <a:custGeom>
+            <a:avLst/>
+            <a:gdLst>
+              <a:gd name="connsiteX0" fmla="*/ 0 w 8663110"/>
+              <a:gd name="connsiteY0" fmla="*/ 0 h 2130951"/>
+              <a:gd name="connsiteX1" fmla="*/ 819150 w 8663110"/>
+              <a:gd name="connsiteY1" fmla="*/ 0 h 2130951"/>
+              <a:gd name="connsiteX2" fmla="*/ 1028700 w 8663110"/>
+              <a:gd name="connsiteY2" fmla="*/ 0 h 2130951"/>
+              <a:gd name="connsiteX3" fmla="*/ 4187970 w 8663110"/>
+              <a:gd name="connsiteY3" fmla="*/ 0 h 2130951"/>
+              <a:gd name="connsiteX4" fmla="*/ 4400550 w 8663110"/>
+              <a:gd name="connsiteY4" fmla="*/ 0 h 2130951"/>
+              <a:gd name="connsiteX5" fmla="*/ 5262791 w 8663110"/>
+              <a:gd name="connsiteY5" fmla="*/ 0 h 2130951"/>
+              <a:gd name="connsiteX6" fmla="*/ 5262791 w 8663110"/>
+              <a:gd name="connsiteY6" fmla="*/ 478 h 2130951"/>
+              <a:gd name="connsiteX7" fmla="*/ 8663110 w 8663110"/>
+              <a:gd name="connsiteY7" fmla="*/ 478 h 2130951"/>
+              <a:gd name="connsiteX8" fmla="*/ 7676422 w 8663110"/>
+              <a:gd name="connsiteY8" fmla="*/ 2130951 h 2130951"/>
+              <a:gd name="connsiteX9" fmla="*/ 4400550 w 8663110"/>
+              <a:gd name="connsiteY9" fmla="*/ 2130951 h 2130951"/>
+              <a:gd name="connsiteX10" fmla="*/ 4187970 w 8663110"/>
+              <a:gd name="connsiteY10" fmla="*/ 2130951 h 2130951"/>
+              <a:gd name="connsiteX11" fmla="*/ 1028700 w 8663110"/>
+              <a:gd name="connsiteY11" fmla="*/ 2130951 h 2130951"/>
+              <a:gd name="connsiteX12" fmla="*/ 819150 w 8663110"/>
+              <a:gd name="connsiteY12" fmla="*/ 2130951 h 2130951"/>
+              <a:gd name="connsiteX13" fmla="*/ 0 w 8663110"/>
+              <a:gd name="connsiteY13" fmla="*/ 2130951 h 2130951"/>
+            </a:gdLst>
+            <a:ahLst/>
+            <a:cxnLst>
+              <a:cxn ang="0">
+                <a:pos x="connsiteX0" y="connsiteY0"/>
+              </a:cxn>
+              <a:cxn ang="0">
+                <a:pos x="connsiteX1" y="connsiteY1"/>
+              </a:cxn>
+              <a:cxn ang="0">
+                <a:pos x="connsiteX2" y="connsiteY2"/>
+              </a:cxn>
+              <a:cxn ang="0">
+                <a:pos x="connsiteX3" y="connsiteY3"/>
+              </a:cxn>
+              <a:cxn ang="0">
+                <a:pos x="connsiteX4" y="connsiteY4"/>
+              </a:cxn>
+              <a:cxn ang="0">
+                <a:pos x="connsiteX5" y="connsiteY5"/>
+              </a:cxn>
+              <a:cxn ang="0">
+                <a:pos x="connsiteX6" y="connsiteY6"/>
+              </a:cxn>
+              <a:cxn ang="0">
+                <a:pos x="connsiteX7" y="connsiteY7"/>
+              </a:cxn>
+              <a:cxn ang="0">
+                <a:pos x="connsiteX8" y="connsiteY8"/>
+              </a:cxn>
+              <a:cxn ang="0">
+                <a:pos x="connsiteX9" y="connsiteY9"/>
+              </a:cxn>
+              <a:cxn ang="0">
+                <a:pos x="connsiteX10" y="connsiteY10"/>
+              </a:cxn>
+              <a:cxn ang="0">
+                <a:pos x="connsiteX11" y="connsiteY11"/>
+              </a:cxn>
+              <a:cxn ang="0">
+                <a:pos x="connsiteX12" y="connsiteY12"/>
+              </a:cxn>
+              <a:cxn ang="0">
+                <a:pos x="connsiteX13" y="connsiteY13"/>
+              </a:cxn>
+            </a:cxnLst>
+            <a:rect l="l" t="t" r="r" b="b"/>
+            <a:pathLst>
+              <a:path w="8663110" h="2130951">
+                <a:moveTo>
+                  <a:pt x="0" y="0"/>
+                </a:moveTo>
+                <a:lnTo>
+                  <a:pt x="819150" y="0"/>
+                </a:lnTo>
+                <a:lnTo>
+                  <a:pt x="1028700" y="0"/>
+                </a:lnTo>
+                <a:lnTo>
+                  <a:pt x="4187970" y="0"/>
+                </a:lnTo>
+                <a:lnTo>
+                  <a:pt x="4400550" y="0"/>
+                </a:lnTo>
+                <a:lnTo>
+                  <a:pt x="5262791" y="0"/>
+                </a:lnTo>
+                <a:lnTo>
+                  <a:pt x="5262791" y="478"/>
+                </a:lnTo>
+                <a:lnTo>
+                  <a:pt x="8663110" y="478"/>
+                </a:lnTo>
+                <a:lnTo>
+                  <a:pt x="7676422" y="2130951"/>
+                </a:lnTo>
+                <a:lnTo>
+                  <a:pt x="4400550" y="2130951"/>
+                </a:lnTo>
+                <a:lnTo>
+                  <a:pt x="4187970" y="2130951"/>
+                </a:lnTo>
+                <a:lnTo>
+                  <a:pt x="1028700" y="2130951"/>
+                </a:lnTo>
+                <a:lnTo>
+                  <a:pt x="819150" y="2130951"/>
+                </a:lnTo>
+                <a:lnTo>
+                  <a:pt x="0" y="2130951"/>
+                </a:lnTo>
+                <a:close/>
+              </a:path>
+            </a:pathLst>
+          </a:custGeom>
+          <a:solidFill>
+            <a:srgbClr val="2A4966"/>
+          </a:solidFill>
+          <a:ln>
+            <a:noFill/>
+          </a:ln>
+        </p:spPr>
+        <p:style>
+          <a:lnRef idx="2">
+            <a:schemeClr val="accent1">
+              <a:shade val="50000"/>
+            </a:schemeClr>
+          </a:lnRef>
+          <a:fillRef idx="1">
+            <a:schemeClr val="accent1"/>
+          </a:fillRef>
+          <a:effectRef idx="0">
+            <a:schemeClr val="accent1"/>
+          </a:effectRef>
+          <a:fontRef idx="minor">
+            <a:schemeClr val="lt1"/>
+          </a:fontRef>
+        </p:style>
+        <p:txBody>
+          <a:bodyPr rtlCol="0" anchor="ctr"/>
+          <a:lstStyle/>
+          <a:p>
+            <a:pPr algn="ctr"/>
+            <a:endParaRPr lang="en-US"/>
           </a:p>
         </p:txBody>
       </p:sp>
@@ -3070,8 +3290,192 @@
         </p:blipFill>
         <p:spPr>
           <a:xfrm>
-            <a:off x="5791200" y="5349875"/>
-            <a:ext cx="609600" cy="609600"/>
+            <a:off x="9958874" y="604110"/>
+            <a:ext cx="1526841" cy="1526841"/>
+          </a:xfrm>
+          <a:prstGeom prst="rect">
+            <a:avLst/>
+          </a:prstGeom>
+        </p:spPr>
+      </p:pic>
+      <p:sp>
+        <p:nvSpPr>
+          <p:cNvPr id="14" name="Freeform 18">
+            <a:extLst>
+              <a:ext uri="{FF2B5EF4-FFF2-40B4-BE49-F238E27FC236}">
+                <a16:creationId xmlns:a16="http://schemas.microsoft.com/office/drawing/2014/main" id="{C15229F3-7A2E-4558-98FE-7A5F69409DCE}"/>
+              </a:ext>
+              <a:ext uri="{C183D7F6-B498-43B3-948B-1728B52AA6E4}">
+                <adec:decorative xmlns:adec="http://schemas.microsoft.com/office/drawing/2017/decorative" val="1"/>
+              </a:ext>
+            </a:extLst>
+          </p:cNvPr>
+          <p:cNvSpPr>
+            <a:spLocks noGrp="1" noRot="1" noChangeAspect="1" noMove="1" noResize="1" noEditPoints="1" noAdjustHandles="1" noChangeArrowheads="1" noChangeShapeType="1" noTextEdit="1"/>
+          </p:cNvSpPr>
+          <p:nvPr>
+            <p:extLst>
+              <p:ext uri="{386F3935-93C4-4BCD-93E2-E3B085C9AB24}">
+                <p16:designElem xmlns:p16="http://schemas.microsoft.com/office/powerpoint/2015/main" val="1"/>
+              </p:ext>
+            </p:extLst>
+          </p:nvPr>
+        </p:nvSpPr>
+        <p:spPr>
+          <a:xfrm>
+            <a:off x="-1" y="4683319"/>
+            <a:ext cx="6516874" cy="2174681"/>
+          </a:xfrm>
+          <a:custGeom>
+            <a:avLst/>
+            <a:gdLst>
+              <a:gd name="connsiteX0" fmla="*/ 0 w 6516874"/>
+              <a:gd name="connsiteY0" fmla="*/ 0 h 2174681"/>
+              <a:gd name="connsiteX1" fmla="*/ 819150 w 6516874"/>
+              <a:gd name="connsiteY1" fmla="*/ 0 h 2174681"/>
+              <a:gd name="connsiteX2" fmla="*/ 1038225 w 6516874"/>
+              <a:gd name="connsiteY2" fmla="*/ 0 h 2174681"/>
+              <a:gd name="connsiteX3" fmla="*/ 6516874 w 6516874"/>
+              <a:gd name="connsiteY3" fmla="*/ 0 h 2174681"/>
+              <a:gd name="connsiteX4" fmla="*/ 5509712 w 6516874"/>
+              <a:gd name="connsiteY4" fmla="*/ 2174681 h 2174681"/>
+              <a:gd name="connsiteX5" fmla="*/ 1038225 w 6516874"/>
+              <a:gd name="connsiteY5" fmla="*/ 2174681 h 2174681"/>
+              <a:gd name="connsiteX6" fmla="*/ 947987 w 6516874"/>
+              <a:gd name="connsiteY6" fmla="*/ 2174681 h 2174681"/>
+              <a:gd name="connsiteX7" fmla="*/ 819150 w 6516874"/>
+              <a:gd name="connsiteY7" fmla="*/ 2174681 h 2174681"/>
+              <a:gd name="connsiteX8" fmla="*/ 0 w 6516874"/>
+              <a:gd name="connsiteY8" fmla="*/ 2174681 h 2174681"/>
+            </a:gdLst>
+            <a:ahLst/>
+            <a:cxnLst>
+              <a:cxn ang="0">
+                <a:pos x="connsiteX0" y="connsiteY0"/>
+              </a:cxn>
+              <a:cxn ang="0">
+                <a:pos x="connsiteX1" y="connsiteY1"/>
+              </a:cxn>
+              <a:cxn ang="0">
+                <a:pos x="connsiteX2" y="connsiteY2"/>
+              </a:cxn>
+              <a:cxn ang="0">
+                <a:pos x="connsiteX3" y="connsiteY3"/>
+              </a:cxn>
+              <a:cxn ang="0">
+                <a:pos x="connsiteX4" y="connsiteY4"/>
+              </a:cxn>
+              <a:cxn ang="0">
+                <a:pos x="connsiteX5" y="connsiteY5"/>
+              </a:cxn>
+              <a:cxn ang="0">
+                <a:pos x="connsiteX6" y="connsiteY6"/>
+              </a:cxn>
+              <a:cxn ang="0">
+                <a:pos x="connsiteX7" y="connsiteY7"/>
+              </a:cxn>
+              <a:cxn ang="0">
+                <a:pos x="connsiteX8" y="connsiteY8"/>
+              </a:cxn>
+            </a:cxnLst>
+            <a:rect l="l" t="t" r="r" b="b"/>
+            <a:pathLst>
+              <a:path w="6516874" h="2174681">
+                <a:moveTo>
+                  <a:pt x="0" y="0"/>
+                </a:moveTo>
+                <a:lnTo>
+                  <a:pt x="819150" y="0"/>
+                </a:lnTo>
+                <a:lnTo>
+                  <a:pt x="1038225" y="0"/>
+                </a:lnTo>
+                <a:lnTo>
+                  <a:pt x="6516874" y="0"/>
+                </a:lnTo>
+                <a:lnTo>
+                  <a:pt x="5509712" y="2174681"/>
+                </a:lnTo>
+                <a:lnTo>
+                  <a:pt x="1038225" y="2174681"/>
+                </a:lnTo>
+                <a:lnTo>
+                  <a:pt x="947987" y="2174681"/>
+                </a:lnTo>
+                <a:lnTo>
+                  <a:pt x="819150" y="2174681"/>
+                </a:lnTo>
+                <a:lnTo>
+                  <a:pt x="0" y="2174681"/>
+                </a:lnTo>
+                <a:close/>
+              </a:path>
+            </a:pathLst>
+          </a:custGeom>
+          <a:solidFill>
+            <a:srgbClr val="4A4A4A"/>
+          </a:solidFill>
+          <a:ln>
+            <a:noFill/>
+          </a:ln>
+        </p:spPr>
+        <p:style>
+          <a:lnRef idx="2">
+            <a:schemeClr val="accent1">
+              <a:shade val="50000"/>
+            </a:schemeClr>
+          </a:lnRef>
+          <a:fillRef idx="1">
+            <a:schemeClr val="accent1"/>
+          </a:fillRef>
+          <a:effectRef idx="0">
+            <a:schemeClr val="accent1"/>
+          </a:effectRef>
+          <a:fontRef idx="minor">
+            <a:schemeClr val="lt1"/>
+          </a:fontRef>
+        </p:style>
+        <p:txBody>
+          <a:bodyPr wrap="square" rtlCol="0" anchor="ctr">
+            <a:noAutofit/>
+          </a:bodyPr>
+          <a:lstStyle/>
+          <a:p>
+            <a:pPr algn="ctr"/>
+            <a:endParaRPr lang="en-US"/>
+          </a:p>
+        </p:txBody>
+      </p:sp>
+      <p:pic>
+        <p:nvPicPr>
+          <p:cNvPr id="5" name="Grafik 4" descr="Ein Bild, das Text, ClipArt enthält.&#10;&#10;Automatisch generierte Beschreibung">
+            <a:extLst>
+              <a:ext uri="{FF2B5EF4-FFF2-40B4-BE49-F238E27FC236}">
+                <a16:creationId xmlns:a16="http://schemas.microsoft.com/office/drawing/2014/main" id="{96ABDD95-F7CB-0748-6F76-096D6BFED336}"/>
+              </a:ext>
+            </a:extLst>
+          </p:cNvPr>
+          <p:cNvPicPr>
+            <a:picLocks noChangeAspect="1"/>
+          </p:cNvPicPr>
+          <p:nvPr/>
+        </p:nvPicPr>
+        <p:blipFill>
+          <a:blip r:embed="rId3" cstate="print">
+            <a:extLst>
+              <a:ext uri="{28A0092B-C50C-407E-A947-70E740481C1C}">
+                <a14:useLocalDpi xmlns:a14="http://schemas.microsoft.com/office/drawing/2010/main" val="0"/>
+              </a:ext>
+            </a:extLst>
+          </a:blip>
+          <a:stretch>
+            <a:fillRect/>
+          </a:stretch>
+        </p:blipFill>
+        <p:spPr>
+          <a:xfrm>
+            <a:off x="6996536" y="4683319"/>
+            <a:ext cx="4886172" cy="1746806"/>
           </a:xfrm>
           <a:prstGeom prst="rect">
             <a:avLst/>
@@ -3094,6 +3498,14 @@
 <file path=ppt/slides/slide2.xml><?xml version="1.0" encoding="utf-8"?>
 <p:sld xmlns:a="http://schemas.openxmlformats.org/drawingml/2006/main" xmlns:r="http://schemas.openxmlformats.org/officeDocument/2006/relationships" xmlns:p="http://schemas.openxmlformats.org/presentationml/2006/main">
   <p:cSld>
+    <p:bg>
+      <p:bgPr>
+        <a:solidFill>
+          <a:schemeClr val="bg1"/>
+        </a:solidFill>
+        <a:effectLst/>
+      </p:bgPr>
+    </p:bg>
     <p:spTree>
       <p:nvGrpSpPr>
         <p:cNvPr id="1" name=""/>
@@ -3118,127 +3530,254 @@
             <p:ph type="title"/>
           </p:nvPr>
         </p:nvSpPr>
-        <p:spPr/>
-        <p:txBody>
-          <a:bodyPr/>
-          <a:lstStyle/>
-          <a:p>
-            <a:r>
-              <a:rPr lang="en-AU" dirty="0"/>
-              <a:t>The App </a:t>
-            </a:r>
-          </a:p>
-        </p:txBody>
-      </p:sp>
-      <p:sp>
-        <p:nvSpPr>
-          <p:cNvPr id="3" name="Content Placeholder 2"/>
-          <p:cNvSpPr>
-            <a:spLocks noGrp="1"/>
-          </p:cNvSpPr>
-          <p:nvPr>
-            <p:ph sz="half" idx="1"/>
-          </p:nvPr>
-        </p:nvSpPr>
-        <p:spPr/>
-        <p:txBody>
-          <a:bodyPr>
+        <p:spPr>
+          <a:xfrm>
+            <a:off x="648929" y="629266"/>
+            <a:ext cx="3505495" cy="1622321"/>
+          </a:xfrm>
+        </p:spPr>
+        <p:txBody>
+          <a:bodyPr vert="horz" lIns="91440" tIns="45720" rIns="91440" bIns="45720" rtlCol="0" anchor="ctr">
             <a:normAutofit/>
           </a:bodyPr>
           <a:lstStyle/>
           <a:p>
-            <a:pPr algn="just">
-              <a:lnSpc>
-                <a:spcPct val="107000"/>
-              </a:lnSpc>
+            <a:r>
+              <a:rPr lang="en-US" kern="1200">
+                <a:solidFill>
+                  <a:schemeClr val="tx1"/>
+                </a:solidFill>
+                <a:latin typeface="+mj-lt"/>
+                <a:ea typeface="+mj-ea"/>
+                <a:cs typeface="+mj-cs"/>
+              </a:rPr>
+              <a:t>The App </a:t>
+            </a:r>
+          </a:p>
+        </p:txBody>
+      </p:sp>
+      <p:sp>
+        <p:nvSpPr>
+          <p:cNvPr id="3" name="Content Placeholder 2"/>
+          <p:cNvSpPr>
+            <a:spLocks noGrp="1"/>
+          </p:cNvSpPr>
+          <p:nvPr>
+            <p:ph sz="half" idx="1"/>
+          </p:nvPr>
+        </p:nvSpPr>
+        <p:spPr>
+          <a:xfrm>
+            <a:off x="648931" y="2438400"/>
+            <a:ext cx="3505494" cy="3785419"/>
+          </a:xfrm>
+        </p:spPr>
+        <p:txBody>
+          <a:bodyPr vert="horz" lIns="91440" tIns="45720" rIns="91440" bIns="45720" rtlCol="0">
+            <a:normAutofit/>
+          </a:bodyPr>
+          <a:lstStyle/>
+          <a:p>
+            <a:pPr>
               <a:spcAft>
                 <a:spcPts val="800"/>
               </a:spcAft>
             </a:pPr>
             <a:r>
-              <a:rPr lang="en-US" sz="1800" dirty="0">
+              <a:rPr lang="en-US" sz="1900" b="1" dirty="0">
                 <a:effectLst/>
-                <a:latin typeface="Calibri" panose="020F0502020204030204" pitchFamily="34" charset="0"/>
-                <a:ea typeface="Calibri" panose="020F0502020204030204" pitchFamily="34" charset="0"/>
-                <a:cs typeface="Times New Roman" panose="02020603050405020304" pitchFamily="18" charset="0"/>
               </a:rPr>
-              <a:t>Alter images by changing the filetype format, resizing the image, or adding effects like blur, greyscale, </a:t>
-            </a:r>
-            <a:r>
-              <a:rPr lang="en-US" sz="1800" dirty="0" err="1">
+              <a:t>Transform</a:t>
+            </a:r>
+            <a:r>
+              <a:rPr lang="en-US" sz="1900" dirty="0">
                 <a:effectLst/>
-                <a:latin typeface="Calibri" panose="020F0502020204030204" pitchFamily="34" charset="0"/>
-                <a:ea typeface="Calibri" panose="020F0502020204030204" pitchFamily="34" charset="0"/>
-                <a:cs typeface="Times New Roman" panose="02020603050405020304" pitchFamily="18" charset="0"/>
               </a:rPr>
-              <a:t>etc</a:t>
-            </a:r>
-            <a:endParaRPr lang="en-US" sz="1800" dirty="0">
-              <a:effectLst/>
-              <a:latin typeface="Calibri" panose="020F0502020204030204" pitchFamily="34" charset="0"/>
-              <a:ea typeface="Calibri" panose="020F0502020204030204" pitchFamily="34" charset="0"/>
-              <a:cs typeface="Times New Roman" panose="02020603050405020304" pitchFamily="18" charset="0"/>
-            </a:endParaRPr>
-          </a:p>
-          <a:p>
-            <a:pPr algn="just">
-              <a:lnSpc>
-                <a:spcPct val="107000"/>
-              </a:lnSpc>
+              <a:t> images by changing the filetype format, resizing the image, or adding effects like blur, greyscale, etc.</a:t>
+            </a:r>
+          </a:p>
+          <a:p>
+            <a:pPr>
               <a:spcAft>
                 <a:spcPts val="800"/>
               </a:spcAft>
             </a:pPr>
             <a:r>
-              <a:rPr lang="en-US" sz="1800" dirty="0">
-                <a:latin typeface="Calibri" panose="020F0502020204030204" pitchFamily="34" charset="0"/>
-                <a:ea typeface="Calibri" panose="020F0502020204030204" pitchFamily="34" charset="0"/>
-                <a:cs typeface="Times New Roman" panose="02020603050405020304" pitchFamily="18" charset="0"/>
+              <a:rPr lang="en-US" sz="1900" dirty="0"/>
+              <a:t>A</a:t>
+            </a:r>
+            <a:r>
+              <a:rPr lang="en-US" sz="1900" dirty="0">
+                <a:effectLst/>
               </a:rPr>
-              <a:t>A</a:t>
-            </a:r>
-            <a:r>
-              <a:rPr lang="en-US" sz="1800" dirty="0">
-                <a:effectLst/>
-                <a:latin typeface="Calibri" panose="020F0502020204030204" pitchFamily="34" charset="0"/>
-                <a:ea typeface="Calibri" panose="020F0502020204030204" pitchFamily="34" charset="0"/>
-                <a:cs typeface="Times New Roman" panose="02020603050405020304" pitchFamily="18" charset="0"/>
-              </a:rPr>
-              <a:t>llows new and transformed images to be stored in S3 to be accessible at all times</a:t>
-            </a:r>
-          </a:p>
-          <a:p>
-            <a:pPr algn="just">
-              <a:lnSpc>
-                <a:spcPct val="107000"/>
-              </a:lnSpc>
+              <a:t>llows new and transformed images to be stored in S3 to be always accessible</a:t>
+            </a:r>
+          </a:p>
+          <a:p>
+            <a:pPr>
               <a:spcAft>
                 <a:spcPts val="800"/>
               </a:spcAft>
             </a:pPr>
             <a:r>
-              <a:rPr lang="en-US" sz="1800" dirty="0">
-                <a:latin typeface="Calibri" panose="020F0502020204030204" pitchFamily="34" charset="0"/>
-                <a:ea typeface="Calibri" panose="020F0502020204030204" pitchFamily="34" charset="0"/>
-                <a:cs typeface="Times New Roman" panose="02020603050405020304" pitchFamily="18" charset="0"/>
+              <a:rPr lang="en-US" sz="1900" dirty="0"/>
+              <a:t>Saves</a:t>
+            </a:r>
+            <a:r>
+              <a:rPr lang="en-US" sz="1900" dirty="0">
+                <a:effectLst/>
               </a:rPr>
-              <a:t>Saves</a:t>
-            </a:r>
-            <a:r>
-              <a:rPr lang="en-US" sz="1800" dirty="0">
+              <a:t> presets for transformations to </a:t>
+            </a:r>
+            <a:r>
+              <a:rPr lang="en-US" sz="1900" dirty="0" err="1">
                 <a:effectLst/>
-                <a:latin typeface="Calibri" panose="020F0502020204030204" pitchFamily="34" charset="0"/>
-                <a:ea typeface="Calibri" panose="020F0502020204030204" pitchFamily="34" charset="0"/>
-                <a:cs typeface="Times New Roman" panose="02020603050405020304" pitchFamily="18" charset="0"/>
               </a:rPr>
-              <a:t> presets for transformations for users that wish to use the same transformation over multiple images</a:t>
-            </a:r>
-            <a:endParaRPr lang="en-AU" sz="1800" dirty="0">
-              <a:effectLst/>
-              <a:latin typeface="Calibri" panose="020F0502020204030204" pitchFamily="34" charset="0"/>
-              <a:ea typeface="Calibri" panose="020F0502020204030204" pitchFamily="34" charset="0"/>
-              <a:cs typeface="Times New Roman" panose="02020603050405020304" pitchFamily="18" charset="0"/>
-            </a:endParaRPr>
+              <a:t>ElastiCache</a:t>
+            </a:r>
+            <a:r>
+              <a:rPr lang="en-US" sz="1900" dirty="0">
+                <a:effectLst/>
+              </a:rPr>
+              <a:t> for Redis to re-use common transformations</a:t>
+            </a:r>
+          </a:p>
+        </p:txBody>
+      </p:sp>
+      <p:sp>
+        <p:nvSpPr>
+          <p:cNvPr id="11" name="Rectangle 10">
+            <a:extLst>
+              <a:ext uri="{FF2B5EF4-FFF2-40B4-BE49-F238E27FC236}">
+                <a16:creationId xmlns:a16="http://schemas.microsoft.com/office/drawing/2014/main" id="{5E39A796-BE83-48B1-B33F-35C4A32AAB57}"/>
+              </a:ext>
+              <a:ext uri="{C183D7F6-B498-43B3-948B-1728B52AA6E4}">
+                <adec:decorative xmlns:adec="http://schemas.microsoft.com/office/drawing/2017/decorative" val="1"/>
+              </a:ext>
+            </a:extLst>
+          </p:cNvPr>
+          <p:cNvSpPr>
+            <a:spLocks noGrp="1" noRot="1" noChangeAspect="1" noMove="1" noResize="1" noEditPoints="1" noAdjustHandles="1" noChangeArrowheads="1" noChangeShapeType="1" noTextEdit="1"/>
+          </p:cNvSpPr>
+          <p:nvPr>
+            <p:extLst>
+              <p:ext uri="{386F3935-93C4-4BCD-93E2-E3B085C9AB24}">
+                <p16:designElem xmlns:p16="http://schemas.microsoft.com/office/powerpoint/2015/main" val="1"/>
+              </p:ext>
+            </p:extLst>
+          </p:nvPr>
+        </p:nvSpPr>
+        <p:spPr>
+          <a:xfrm>
+            <a:off x="4639056" y="0"/>
+            <a:ext cx="7552944" cy="6858000"/>
+          </a:xfrm>
+          <a:prstGeom prst="rect">
+            <a:avLst/>
+          </a:prstGeom>
+          <a:solidFill>
+            <a:srgbClr val="C8CACA"/>
+          </a:solidFill>
+          <a:ln>
+            <a:noFill/>
+          </a:ln>
+        </p:spPr>
+        <p:style>
+          <a:lnRef idx="2">
+            <a:schemeClr val="accent1">
+              <a:shade val="50000"/>
+            </a:schemeClr>
+          </a:lnRef>
+          <a:fillRef idx="1">
+            <a:schemeClr val="accent1"/>
+          </a:fillRef>
+          <a:effectRef idx="0">
+            <a:schemeClr val="accent1"/>
+          </a:effectRef>
+          <a:fontRef idx="minor">
+            <a:schemeClr val="lt1"/>
+          </a:fontRef>
+        </p:style>
+        <p:txBody>
+          <a:bodyPr rtlCol="0" anchor="ctr"/>
+          <a:lstStyle/>
+          <a:p>
+            <a:pPr algn="ctr"/>
+            <a:endParaRPr lang="en-US"/>
+          </a:p>
+        </p:txBody>
+      </p:sp>
+      <p:sp>
+        <p:nvSpPr>
+          <p:cNvPr id="13" name="Rounded Rectangle 9">
+            <a:extLst>
+              <a:ext uri="{FF2B5EF4-FFF2-40B4-BE49-F238E27FC236}">
+                <a16:creationId xmlns:a16="http://schemas.microsoft.com/office/drawing/2014/main" id="{72F84B47-E267-4194-8194-831DB7B5547F}"/>
+              </a:ext>
+              <a:ext uri="{C183D7F6-B498-43B3-948B-1728B52AA6E4}">
+                <adec:decorative xmlns:adec="http://schemas.microsoft.com/office/drawing/2017/decorative" val="1"/>
+              </a:ext>
+            </a:extLst>
+          </p:cNvPr>
+          <p:cNvSpPr>
+            <a:spLocks noGrp="1" noRot="1" noChangeAspect="1" noMove="1" noResize="1" noEditPoints="1" noAdjustHandles="1" noChangeArrowheads="1" noChangeShapeType="1" noTextEdit="1"/>
+          </p:cNvSpPr>
+          <p:nvPr>
+            <p:extLst>
+              <p:ext uri="{386F3935-93C4-4BCD-93E2-E3B085C9AB24}">
+                <p16:designElem xmlns:p16="http://schemas.microsoft.com/office/powerpoint/2015/main" val="1"/>
+              </p:ext>
+            </p:extLst>
+          </p:nvPr>
+        </p:nvSpPr>
+        <p:spPr>
+          <a:xfrm>
+            <a:off x="5123688" y="557784"/>
+            <a:ext cx="6584098" cy="5739187"/>
+          </a:xfrm>
+          <a:prstGeom prst="roundRect">
+            <a:avLst>
+              <a:gd name="adj" fmla="val 0"/>
+            </a:avLst>
+          </a:prstGeom>
+          <a:solidFill>
+            <a:srgbClr val="FFFFFF"/>
+          </a:solidFill>
+          <a:ln w="9525">
+            <a:solidFill>
+              <a:srgbClr val="C8CACA"/>
+            </a:solidFill>
+          </a:ln>
+          <a:effectLst>
+            <a:outerShdw blurRad="57150" dist="19050" dir="5400000" algn="t" rotWithShape="0">
+              <a:prstClr val="black">
+                <a:alpha val="63000"/>
+              </a:prstClr>
+            </a:outerShdw>
+          </a:effectLst>
+        </p:spPr>
+        <p:style>
+          <a:lnRef idx="2">
+            <a:schemeClr val="accent1">
+              <a:shade val="50000"/>
+            </a:schemeClr>
+          </a:lnRef>
+          <a:fillRef idx="1">
+            <a:schemeClr val="accent1"/>
+          </a:fillRef>
+          <a:effectRef idx="0">
+            <a:schemeClr val="accent1"/>
+          </a:effectRef>
+          <a:fontRef idx="minor">
+            <a:schemeClr val="lt1"/>
+          </a:fontRef>
+        </p:style>
+        <p:txBody>
+          <a:bodyPr rtlCol="0" anchor="ctr"/>
+          <a:lstStyle/>
+          <a:p>
+            <a:pPr algn="ctr"/>
+            <a:endParaRPr lang="en-US"/>
           </a:p>
         </p:txBody>
       </p:sp>
@@ -3266,9 +3805,13 @@
         </p:blipFill>
         <p:spPr>
           <a:xfrm>
-            <a:off x="6396749" y="816429"/>
-            <a:ext cx="5310746" cy="5360534"/>
+            <a:off x="5821942" y="807593"/>
+            <a:ext cx="5187171" cy="5239568"/>
           </a:xfrm>
+          <a:prstGeom prst="rect">
+            <a:avLst/>
+          </a:prstGeom>
+          <a:effectLst/>
         </p:spPr>
       </p:pic>
     </p:spTree>
@@ -3311,7 +3854,12 @@
             <p:ph type="title"/>
           </p:nvPr>
         </p:nvSpPr>
-        <p:spPr/>
+        <p:spPr>
+          <a:xfrm>
+            <a:off x="838200" y="99603"/>
+            <a:ext cx="10515600" cy="1325563"/>
+          </a:xfrm>
+        </p:spPr>
         <p:txBody>
           <a:bodyPr/>
           <a:lstStyle/>
@@ -3320,37 +3868,6 @@
               <a:rPr lang="en-AU" dirty="0"/>
               <a:t>The Architecture</a:t>
             </a:r>
-          </a:p>
-        </p:txBody>
-      </p:sp>
-      <p:sp>
-        <p:nvSpPr>
-          <p:cNvPr id="6" name="Rectangle 5"/>
-          <p:cNvSpPr/>
-          <p:nvPr/>
-        </p:nvSpPr>
-        <p:spPr>
-          <a:xfrm>
-            <a:off x="5083600" y="6298085"/>
-            <a:ext cx="2214581" cy="369332"/>
-          </a:xfrm>
-          <a:prstGeom prst="rect">
-            <a:avLst/>
-          </a:prstGeom>
-        </p:spPr>
-        <p:txBody>
-          <a:bodyPr wrap="none">
-            <a:spAutoFit/>
-          </a:bodyPr>
-          <a:lstStyle/>
-          <a:p>
-            <a:r>
-              <a:rPr lang="en-AU" dirty="0">
-                <a:hlinkClick r:id="rId2"/>
-              </a:rPr>
-              <a:t>https://cloudcraft.co/</a:t>
-            </a:r>
-            <a:endParaRPr lang="en-AU" dirty="0"/>
           </a:p>
         </p:txBody>
       </p:sp>
@@ -3369,7 +3886,7 @@
           <p:nvPr/>
         </p:nvPicPr>
         <p:blipFill>
-          <a:blip r:embed="rId3">
+          <a:blip r:embed="rId2">
             <a:extLst>
               <a:ext uri="{28A0092B-C50C-407E-A947-70E740481C1C}">
                 <a14:useLocalDpi xmlns:a14="http://schemas.microsoft.com/office/drawing/2010/main" val="0"/>
@@ -3382,8 +3899,8 @@
         </p:blipFill>
         <p:spPr>
           <a:xfrm>
-            <a:off x="2244680" y="1425166"/>
-            <a:ext cx="7892420" cy="4681720"/>
+            <a:off x="1655711" y="1207451"/>
+            <a:ext cx="8880578" cy="5267887"/>
           </a:xfrm>
           <a:prstGeom prst="rect">
             <a:avLst/>
@@ -3430,103 +3947,21 @@
             <p:ph type="title"/>
           </p:nvPr>
         </p:nvSpPr>
-        <p:spPr/>
-        <p:txBody>
-          <a:bodyPr/>
-          <a:lstStyle/>
-          <a:p>
-            <a:r>
-              <a:rPr lang="en-AU" dirty="0"/>
-              <a:t>Architecture</a:t>
-            </a:r>
-            <a:r>
-              <a:rPr lang="en-AU"/>
-              <a:t>/Deployment</a:t>
-            </a:r>
-            <a:endParaRPr lang="en-AU" dirty="0"/>
-          </a:p>
-        </p:txBody>
-      </p:sp>
-      <p:sp>
-        <p:nvSpPr>
-          <p:cNvPr id="6" name="Rectangle 5"/>
-          <p:cNvSpPr/>
-          <p:nvPr/>
-        </p:nvSpPr>
         <p:spPr>
           <a:xfrm>
-            <a:off x="5083600" y="6298085"/>
-            <a:ext cx="2214581" cy="369332"/>
+            <a:off x="838200" y="0"/>
+            <a:ext cx="10515600" cy="1325563"/>
           </a:xfrm>
-          <a:prstGeom prst="rect">
-            <a:avLst/>
-          </a:prstGeom>
         </p:spPr>
         <p:txBody>
-          <a:bodyPr wrap="none">
-            <a:spAutoFit/>
-          </a:bodyPr>
-          <a:lstStyle/>
-          <a:p>
-            <a:r>
-              <a:rPr lang="en-AU" dirty="0">
-                <a:hlinkClick r:id="rId2"/>
-              </a:rPr>
-              <a:t>https://cloudcraft.co/</a:t>
+          <a:bodyPr/>
+          <a:lstStyle/>
+          <a:p>
+            <a:r>
+              <a:rPr lang="en-AU"/>
+              <a:t>Scaling/Performance </a:t>
             </a:r>
             <a:endParaRPr lang="en-AU" dirty="0"/>
-          </a:p>
-        </p:txBody>
-      </p:sp>
-    </p:spTree>
-    <p:extLst>
-      <p:ext uri="{BB962C8B-B14F-4D97-AF65-F5344CB8AC3E}">
-        <p14:creationId xmlns:p14="http://schemas.microsoft.com/office/powerpoint/2010/main" val="3070593084"/>
-      </p:ext>
-    </p:extLst>
-  </p:cSld>
-  <p:clrMapOvr>
-    <a:masterClrMapping/>
-  </p:clrMapOvr>
-</p:sld>
-</file>
-
-<file path=ppt/slides/slide5.xml><?xml version="1.0" encoding="utf-8"?>
-<p:sld xmlns:a="http://schemas.openxmlformats.org/drawingml/2006/main" xmlns:r="http://schemas.openxmlformats.org/officeDocument/2006/relationships" xmlns:p="http://schemas.openxmlformats.org/presentationml/2006/main">
-  <p:cSld>
-    <p:spTree>
-      <p:nvGrpSpPr>
-        <p:cNvPr id="1" name=""/>
-        <p:cNvGrpSpPr/>
-        <p:nvPr/>
-      </p:nvGrpSpPr>
-      <p:grpSpPr>
-        <a:xfrm>
-          <a:off x="0" y="0"/>
-          <a:ext cx="0" cy="0"/>
-          <a:chOff x="0" y="0"/>
-          <a:chExt cx="0" cy="0"/>
-        </a:xfrm>
-      </p:grpSpPr>
-      <p:sp>
-        <p:nvSpPr>
-          <p:cNvPr id="2" name="Title 1"/>
-          <p:cNvSpPr>
-            <a:spLocks noGrp="1"/>
-          </p:cNvSpPr>
-          <p:nvPr>
-            <p:ph type="title"/>
-          </p:nvPr>
-        </p:nvSpPr>
-        <p:spPr/>
-        <p:txBody>
-          <a:bodyPr/>
-          <a:lstStyle/>
-          <a:p>
-            <a:r>
-              <a:rPr lang="en-AU" dirty="0"/>
-              <a:t>Scaling/Performance </a:t>
-            </a:r>
           </a:p>
         </p:txBody>
       </p:sp>
@@ -3559,16 +3994,93 @@
           <a:lstStyle/>
           <a:p>
             <a:r>
-              <a:rPr lang="en-AU" sz="6600" dirty="0">
+              <a:rPr lang="en-AU" sz="6600">
                 <a:solidFill>
                   <a:schemeClr val="bg1"/>
                 </a:solidFill>
               </a:rPr>
               <a:t>To Be Replaced</a:t>
             </a:r>
-          </a:p>
-        </p:txBody>
-      </p:sp>
+            <a:endParaRPr lang="en-AU" sz="6600" dirty="0">
+              <a:solidFill>
+                <a:schemeClr val="bg1"/>
+              </a:solidFill>
+            </a:endParaRPr>
+          </a:p>
+        </p:txBody>
+      </p:sp>
+      <p:pic>
+        <p:nvPicPr>
+          <p:cNvPr id="5" name="Grafik 4">
+            <a:extLst>
+              <a:ext uri="{FF2B5EF4-FFF2-40B4-BE49-F238E27FC236}">
+                <a16:creationId xmlns:a16="http://schemas.microsoft.com/office/drawing/2014/main" id="{957946DA-CE02-86F7-4DFF-1FFB5A81B752}"/>
+              </a:ext>
+            </a:extLst>
+          </p:cNvPr>
+          <p:cNvPicPr>
+            <a:picLocks noChangeAspect="1"/>
+          </p:cNvPicPr>
+          <p:nvPr/>
+        </p:nvPicPr>
+        <p:blipFill>
+          <a:blip r:embed="rId2" cstate="print">
+            <a:extLst>
+              <a:ext uri="{28A0092B-C50C-407E-A947-70E740481C1C}">
+                <a14:useLocalDpi xmlns:a14="http://schemas.microsoft.com/office/drawing/2010/main" val="0"/>
+              </a:ext>
+            </a:extLst>
+          </a:blip>
+          <a:stretch>
+            <a:fillRect/>
+          </a:stretch>
+        </p:blipFill>
+        <p:spPr>
+          <a:xfrm>
+            <a:off x="2041757" y="3895575"/>
+            <a:ext cx="8453535" cy="2871743"/>
+          </a:xfrm>
+          <a:prstGeom prst="rect">
+            <a:avLst/>
+          </a:prstGeom>
+        </p:spPr>
+      </p:pic>
+      <p:pic>
+        <p:nvPicPr>
+          <p:cNvPr id="7" name="Grafik 6">
+            <a:extLst>
+              <a:ext uri="{FF2B5EF4-FFF2-40B4-BE49-F238E27FC236}">
+                <a16:creationId xmlns:a16="http://schemas.microsoft.com/office/drawing/2014/main" id="{DA9FC69E-BD24-93BF-C146-29A829E254C4}"/>
+              </a:ext>
+            </a:extLst>
+          </p:cNvPr>
+          <p:cNvPicPr>
+            <a:picLocks noChangeAspect="1"/>
+          </p:cNvPicPr>
+          <p:nvPr/>
+        </p:nvPicPr>
+        <p:blipFill>
+          <a:blip r:embed="rId3" cstate="print">
+            <a:extLst>
+              <a:ext uri="{28A0092B-C50C-407E-A947-70E740481C1C}">
+                <a14:useLocalDpi xmlns:a14="http://schemas.microsoft.com/office/drawing/2010/main" val="0"/>
+              </a:ext>
+            </a:extLst>
+          </a:blip>
+          <a:stretch>
+            <a:fillRect/>
+          </a:stretch>
+        </p:blipFill>
+        <p:spPr>
+          <a:xfrm>
+            <a:off x="2041758" y="1056451"/>
+            <a:ext cx="8453535" cy="2725557"/>
+          </a:xfrm>
+          <a:prstGeom prst="rect">
+            <a:avLst/>
+          </a:prstGeom>
+        </p:spPr>
+      </p:pic>
     </p:spTree>
     <p:extLst>
       <p:ext uri="{BB962C8B-B14F-4D97-AF65-F5344CB8AC3E}">
